--- a/퍼지집합의 연산.pptx
+++ b/퍼지집합의 연산.pptx
@@ -997,6 +997,50 @@
           </a:fontRef>
         </p:style>
       </p:cxnSp>
+      <p:sp>
+        <p:nvSpPr>
+          <p:cNvPr id="10" name="TextBox 9">
+            <a:extLst>
+              <a:ext uri="{FF2B5EF4-FFF2-40B4-BE49-F238E27FC236}">
+                <a16:creationId xmlns:a16="http://schemas.microsoft.com/office/drawing/2014/main" id="{76E65D5A-15CA-A40A-2A1E-BC8D6A07CD59}"/>
+              </a:ext>
+            </a:extLst>
+          </p:cNvPr>
+          <p:cNvSpPr txBox="1"/>
+          <p:nvPr userDrawn="1"/>
+        </p:nvSpPr>
+        <p:spPr>
+          <a:xfrm>
+            <a:off x="11058022" y="6507888"/>
+            <a:ext cx="420802" cy="276999"/>
+          </a:xfrm>
+          <a:prstGeom prst="rect">
+            <a:avLst/>
+          </a:prstGeom>
+          <a:noFill/>
+        </p:spPr>
+        <p:txBody>
+          <a:bodyPr wrap="square" rtlCol="0">
+            <a:spAutoFit/>
+          </a:bodyPr>
+          <a:lstStyle/>
+          <a:p>
+            <a:r>
+              <a:rPr lang="en-US" altLang="ko-KR" sz="1200" dirty="0">
+                <a:solidFill>
+                  <a:schemeClr val="bg1"/>
+                </a:solidFill>
+              </a:rPr>
+              <a:t>/24</a:t>
+            </a:r>
+            <a:endParaRPr lang="ko-KR" altLang="en-US" sz="1200" dirty="0">
+              <a:solidFill>
+                <a:schemeClr val="bg1"/>
+              </a:solidFill>
+            </a:endParaRPr>
+          </a:p>
+        </p:txBody>
+      </p:sp>
     </p:spTree>
     <p:extLst>
       <p:ext uri="{BB962C8B-B14F-4D97-AF65-F5344CB8AC3E}">
@@ -1594,6 +1638,50 @@
               <a:t>‹#›</a:t>
             </a:fld>
             <a:endParaRPr lang="ko-KR" altLang="en-US"/>
+          </a:p>
+        </p:txBody>
+      </p:sp>
+      <p:sp>
+        <p:nvSpPr>
+          <p:cNvPr id="9" name="TextBox 8">
+            <a:extLst>
+              <a:ext uri="{FF2B5EF4-FFF2-40B4-BE49-F238E27FC236}">
+                <a16:creationId xmlns:a16="http://schemas.microsoft.com/office/drawing/2014/main" id="{E9F28EA7-9D6B-C53E-79EE-83B60E7DBF9B}"/>
+              </a:ext>
+            </a:extLst>
+          </p:cNvPr>
+          <p:cNvSpPr txBox="1"/>
+          <p:nvPr userDrawn="1"/>
+        </p:nvSpPr>
+        <p:spPr>
+          <a:xfrm>
+            <a:off x="11058022" y="6507888"/>
+            <a:ext cx="420802" cy="276999"/>
+          </a:xfrm>
+          <a:prstGeom prst="rect">
+            <a:avLst/>
+          </a:prstGeom>
+          <a:noFill/>
+        </p:spPr>
+        <p:txBody>
+          <a:bodyPr wrap="square" rtlCol="0">
+            <a:spAutoFit/>
+          </a:bodyPr>
+          <a:lstStyle/>
+          <a:p>
+            <a:r>
+              <a:rPr lang="en-US" altLang="ko-KR" sz="1200" dirty="0">
+                <a:solidFill>
+                  <a:schemeClr val="bg1"/>
+                </a:solidFill>
+              </a:rPr>
+              <a:t>/24</a:t>
+            </a:r>
+            <a:endParaRPr lang="ko-KR" altLang="en-US" sz="1200" dirty="0">
+              <a:solidFill>
+                <a:schemeClr val="bg1"/>
+              </a:solidFill>
+            </a:endParaRPr>
           </a:p>
         </p:txBody>
       </p:sp>
@@ -8394,8 +8482,8 @@
           </a:prstGeom>
         </p:spPr>
       </p:pic>
-      <mc:AlternateContent xmlns:mc="http://schemas.openxmlformats.org/markup-compatibility/2006">
-        <mc:Choice xmlns:a14="http://schemas.microsoft.com/office/drawing/2010/main" Requires="a14">
+      <mc:AlternateContent xmlns:mc="http://schemas.openxmlformats.org/markup-compatibility/2006" xmlns:a14="http://schemas.microsoft.com/office/drawing/2010/main">
+        <mc:Choice Requires="a14">
           <p:sp>
             <p:nvSpPr>
               <p:cNvPr id="8" name="TextBox 7">
@@ -8424,6 +8512,7 @@
               </a:bodyPr>
               <a:lstStyle/>
               <a:p>
+                <a:pPr/>
                 <a14:m>
                   <m:oMathPara xmlns:m="http://schemas.openxmlformats.org/officeDocument/2006/math">
                     <m:oMathParaPr>
@@ -8452,7 +8541,7 @@
             </p:txBody>
           </p:sp>
         </mc:Choice>
-        <mc:Fallback>
+        <mc:Fallback xmlns="">
           <p:sp>
             <p:nvSpPr>
               <p:cNvPr id="8" name="TextBox 7">
@@ -11066,18 +11155,18 @@
 </file>
 
 <file path=customXml/item1.xml><?xml version="1.0" encoding="utf-8"?>
+<p:properties xmlns:p="http://schemas.microsoft.com/office/2006/metadata/properties" xmlns:xsi="http://www.w3.org/2001/XMLSchema-instance" xmlns:pc="http://schemas.microsoft.com/office/infopath/2007/PartnerControls">
+  <documentManagement/>
+</p:properties>
+</file>
+
+<file path=customXml/item2.xml><?xml version="1.0" encoding="utf-8"?>
 <?mso-contentType ?>
 <FormTemplates xmlns="http://schemas.microsoft.com/sharepoint/v3/contenttype/forms">
   <Display>DocumentLibraryForm</Display>
   <Edit>DocumentLibraryForm</Edit>
   <New>DocumentLibraryForm</New>
 </FormTemplates>
-</file>
-
-<file path=customXml/item2.xml><?xml version="1.0" encoding="utf-8"?>
-<p:properties xmlns:p="http://schemas.microsoft.com/office/2006/metadata/properties" xmlns:xsi="http://www.w3.org/2001/XMLSchema-instance" xmlns:pc="http://schemas.microsoft.com/office/infopath/2007/PartnerControls">
-  <documentManagement/>
-</p:properties>
 </file>
 
 <file path=customXml/item3.xml><?xml version="1.0" encoding="utf-8"?>
@@ -11213,14 +11302,6 @@
 </file>
 
 <file path=customXml/itemProps1.xml><?xml version="1.0" encoding="utf-8"?>
-<ds:datastoreItem xmlns:ds="http://schemas.openxmlformats.org/officeDocument/2006/customXml" ds:itemID="{0E45208D-18CB-4B0F-B581-2C523EFC7AD1}">
-  <ds:schemaRefs>
-    <ds:schemaRef ds:uri="http://schemas.microsoft.com/sharepoint/v3/contenttype/forms"/>
-  </ds:schemaRefs>
-</ds:datastoreItem>
-</file>
-
-<file path=customXml/itemProps2.xml><?xml version="1.0" encoding="utf-8"?>
 <ds:datastoreItem xmlns:ds="http://schemas.openxmlformats.org/officeDocument/2006/customXml" ds:itemID="{DBD35B29-231B-45FD-863D-3A0F5CC1201F}">
   <ds:schemaRefs>
     <ds:schemaRef ds:uri="http://schemas.microsoft.com/office/2006/metadata/properties"/>
@@ -11232,6 +11313,14 @@
     <ds:schemaRef ds:uri="http://www.w3.org/XML/1998/namespace"/>
     <ds:schemaRef ds:uri="http://schemas.openxmlformats.org/package/2006/metadata/core-properties"/>
     <ds:schemaRef ds:uri="http://purl.org/dc/dcmitype/"/>
+  </ds:schemaRefs>
+</ds:datastoreItem>
+</file>
+
+<file path=customXml/itemProps2.xml><?xml version="1.0" encoding="utf-8"?>
+<ds:datastoreItem xmlns:ds="http://schemas.openxmlformats.org/officeDocument/2006/customXml" ds:itemID="{0E45208D-18CB-4B0F-B581-2C523EFC7AD1}">
+  <ds:schemaRefs>
+    <ds:schemaRef ds:uri="http://schemas.microsoft.com/sharepoint/v3/contenttype/forms"/>
   </ds:schemaRefs>
 </ds:datastoreItem>
 </file>
